--- a/Karthik_Ganesh_Project.pptx
+++ b/Karthik_Ganesh_Project.pptx
@@ -141,14 +141,6 @@
     </p:ext>
   </p:extLst>
 </p:presentation>
-</file>
-
-<file path=ppt/revisionInfo.xml><?xml version="1.0" encoding="utf-8"?>
-<p1510:revInfo xmlns:a="http://schemas.openxmlformats.org/drawingml/2006/main" xmlns:r="http://schemas.openxmlformats.org/officeDocument/2006/relationships" xmlns:p1510="http://schemas.microsoft.com/office/powerpoint/2015/10/main">
-  <p1510:revLst>
-    <p1510:client id="{3B3D3C6F-7C87-4668-B807-3B4A1FC75FE1}" v="36" dt="2025-02-25T12:56:44.961"/>
-  </p1510:revLst>
-</p1510:revInfo>
 </file>
 
 <file path=ppt/notesMasters/notesMaster1.xml><?xml version="1.0" encoding="utf-8"?>
@@ -4341,7 +4333,7 @@
                 <a:latin typeface="Arial"/>
                 <a:cs typeface="Arial"/>
               </a:rPr>
-              <a:t>Student Name : KARTHIK GANESH</a:t>
+              <a:t>Student Name : KARTHIK GANESH </a:t>
             </a:r>
           </a:p>
           <a:p>
@@ -5657,12 +5649,14 @@
         </p:nvSpPr>
         <p:spPr/>
         <p:txBody>
-          <a:bodyPr/>
+          <a:bodyPr>
+            <a:normAutofit/>
+          </a:bodyPr>
           <a:lstStyle/>
           <a:p>
             <a:r>
-              <a:rPr lang="en-IN" dirty="0"/>
-              <a:t>Make sure that there should be readme file</a:t>
+              <a:rPr lang="en-IN" sz="2000" b="1" dirty="0"/>
+              <a:t>GITHUB LINK: https://github.com/Karthik7375/Steganography.git</a:t>
             </a:r>
           </a:p>
         </p:txBody>
@@ -5834,8 +5828,8 @@
         </p:nvSpPr>
         <p:spPr bwMode="auto">
           <a:xfrm>
-            <a:off x="535670" y="2830351"/>
-            <a:ext cx="11394498" cy="1754326"/>
+            <a:off x="535670" y="2968850"/>
+            <a:ext cx="11394498" cy="1477328"/>
           </a:xfrm>
           <a:prstGeom prst="rect">
             <a:avLst/>
@@ -6011,8 +6005,7 @@
               </a:spcAft>
               <a:buClrTx/>
               <a:buSzTx/>
-              <a:buFontTx/>
-              <a:buChar char="•"/>
+              <a:buNone/>
               <a:tabLst/>
             </a:pPr>
             <a:endParaRPr kumimoji="0" lang="en-US" altLang="en-US" sz="1800" b="0" i="0" u="none" strike="noStrike" cap="none" normalizeH="0" baseline="0" dirty="0">
@@ -6025,50 +6018,6 @@
               <a:effectLst/>
               <a:latin typeface="Arial" panose="020B0604020202020204" pitchFamily="34" charset="0"/>
             </a:endParaRPr>
-          </a:p>
-          <a:p>
-            <a:pPr marL="0" marR="0" lvl="0" indent="0" algn="l" defTabSz="914400" rtl="0" eaLnBrk="0" fontAlgn="base" latinLnBrk="0" hangingPunct="0">
-              <a:lnSpc>
-                <a:spcPct val="100000"/>
-              </a:lnSpc>
-              <a:spcBef>
-                <a:spcPct val="0"/>
-              </a:spcBef>
-              <a:spcAft>
-                <a:spcPct val="0"/>
-              </a:spcAft>
-              <a:buClrTx/>
-              <a:buSzTx/>
-              <a:buFontTx/>
-              <a:buChar char="•"/>
-              <a:tabLst/>
-            </a:pPr>
-            <a:r>
-              <a:rPr kumimoji="0" lang="en-US" altLang="en-US" sz="1800" b="1" i="0" u="none" strike="noStrike" cap="none" normalizeH="0" baseline="0" dirty="0">
-                <a:ln>
-                  <a:noFill/>
-                </a:ln>
-                <a:solidFill>
-                  <a:schemeClr val="tx1"/>
-                </a:solidFill>
-                <a:effectLst/>
-                <a:latin typeface="Arial" panose="020B0604020202020204" pitchFamily="34" charset="0"/>
-              </a:rPr>
-              <a:t>Encryption Integration:</a:t>
-            </a:r>
-            <a:r>
-              <a:rPr kumimoji="0" lang="en-US" altLang="en-US" sz="1800" b="0" i="0" u="none" strike="noStrike" cap="none" normalizeH="0" baseline="0" dirty="0">
-                <a:ln>
-                  <a:noFill/>
-                </a:ln>
-                <a:solidFill>
-                  <a:schemeClr val="tx1"/>
-                </a:solidFill>
-                <a:effectLst/>
-                <a:latin typeface="Arial" panose="020B0604020202020204" pitchFamily="34" charset="0"/>
-              </a:rPr>
-              <a:t> Combining steganography with encryption for an even stronger layer of security. </a:t>
-            </a:r>
           </a:p>
         </p:txBody>
       </p:sp>
@@ -6120,7 +6069,7 @@
         </p:nvSpPr>
         <p:spPr>
           <a:xfrm>
-            <a:off x="1463041" y="2766218"/>
+            <a:off x="1315557" y="2658063"/>
             <a:ext cx="9298744" cy="1325563"/>
           </a:xfrm>
         </p:spPr>
@@ -6130,7 +6079,7 @@
           <a:p>
             <a:pPr algn="ctr"/>
             <a:r>
-              <a:rPr lang="en-US" b="1">
+              <a:rPr lang="en-US" b="1" dirty="0">
                 <a:solidFill>
                   <a:srgbClr val="002060"/>
                 </a:solidFill>
@@ -6988,7 +6937,7 @@
                 <a:effectLst/>
                 <a:latin typeface="Arial" panose="020B0604020202020204" pitchFamily="34" charset="0"/>
               </a:rPr>
-              <a:t> Builds the web interface for user interaction and data handling. </a:t>
+              <a:t> Builds the web interface (web framework) for user interaction and data handling. </a:t>
             </a:r>
           </a:p>
           <a:p>

--- a/Karthik_Ganesh_Project.pptx
+++ b/Karthik_Ganesh_Project.pptx
@@ -5828,8 +5828,8 @@
         </p:nvSpPr>
         <p:spPr bwMode="auto">
           <a:xfrm>
-            <a:off x="535670" y="2968850"/>
-            <a:ext cx="11394498" cy="1477328"/>
+            <a:off x="535670" y="2676463"/>
+            <a:ext cx="11394498" cy="2062103"/>
           </a:xfrm>
           <a:prstGeom prst="rect">
             <a:avLst/>
@@ -5991,6 +5991,68 @@
               </a:rPr>
               <a:t> Extending the tool to support other file types, such as audio and video. </a:t>
             </a:r>
+          </a:p>
+          <a:p>
+            <a:pPr marL="0" marR="0" lvl="0" indent="0" algn="l" defTabSz="914400" rtl="0" eaLnBrk="0" fontAlgn="base" latinLnBrk="0" hangingPunct="0">
+              <a:lnSpc>
+                <a:spcPct val="100000"/>
+              </a:lnSpc>
+              <a:spcBef>
+                <a:spcPct val="0"/>
+              </a:spcBef>
+              <a:spcAft>
+                <a:spcPct val="0"/>
+              </a:spcAft>
+              <a:buClrTx/>
+              <a:buSzTx/>
+              <a:buFontTx/>
+              <a:buChar char="•"/>
+              <a:tabLst/>
+            </a:pPr>
+            <a:endParaRPr lang="en-US" altLang="en-US" sz="1800" dirty="0">
+              <a:solidFill>
+                <a:schemeClr val="tx1"/>
+              </a:solidFill>
+              <a:latin typeface="Arial" panose="020B0604020202020204" pitchFamily="34" charset="0"/>
+            </a:endParaRPr>
+          </a:p>
+          <a:p>
+            <a:pPr marL="0" marR="0" lvl="0" indent="0" algn="l" defTabSz="914400" rtl="0" eaLnBrk="0" fontAlgn="base" latinLnBrk="0" hangingPunct="0">
+              <a:lnSpc>
+                <a:spcPct val="100000"/>
+              </a:lnSpc>
+              <a:spcBef>
+                <a:spcPct val="0"/>
+              </a:spcBef>
+              <a:spcAft>
+                <a:spcPct val="0"/>
+              </a:spcAft>
+              <a:buClrTx/>
+              <a:buSzTx/>
+              <a:buFontTx/>
+              <a:buChar char="•"/>
+              <a:tabLst/>
+            </a:pPr>
+            <a:r>
+              <a:rPr lang="en-IN" sz="2000" b="1" i="0" dirty="0">
+                <a:solidFill>
+                  <a:schemeClr val="tx1"/>
+                </a:solidFill>
+                <a:effectLst/>
+                <a:latin typeface="-apple-system"/>
+              </a:rPr>
+              <a:t>Add steganalysis resistance techniques</a:t>
+            </a:r>
+            <a:endParaRPr kumimoji="0" lang="en-US" altLang="en-US" sz="1800" b="1" i="0" u="none" strike="noStrike" cap="none" normalizeH="0" baseline="0" dirty="0">
+              <a:ln>
+                <a:noFill/>
+              </a:ln>
+              <a:solidFill>
+                <a:schemeClr val="tx1"/>
+              </a:solidFill>
+              <a:effectLst/>
+              <a:latin typeface="Arial" panose="020B0604020202020204" pitchFamily="34" charset="0"/>
+            </a:endParaRPr>
           </a:p>
           <a:p>
             <a:pPr marL="0" marR="0" lvl="0" indent="0" algn="l" defTabSz="914400" rtl="0" eaLnBrk="0" fontAlgn="base" latinLnBrk="0" hangingPunct="0">

--- a/Karthik_Ganesh_Project.pptx
+++ b/Karthik_Ganesh_Project.pptx
@@ -4640,7 +4640,7 @@
         </p:nvSpPr>
         <p:spPr>
           <a:xfrm>
-            <a:off x="581192" y="1514167"/>
+            <a:off x="2282172" y="782638"/>
             <a:ext cx="1818959" cy="369332"/>
           </a:xfrm>
           <a:prstGeom prst="rect">
@@ -8218,7 +8218,7 @@
         </p:nvSpPr>
         <p:spPr>
           <a:xfrm>
-            <a:off x="703206" y="1342289"/>
+            <a:off x="2345193" y="782638"/>
             <a:ext cx="1365310" cy="369332"/>
           </a:xfrm>
           <a:prstGeom prst="rect">
@@ -8316,7 +8316,7 @@
         </p:nvSpPr>
         <p:spPr>
           <a:xfrm>
-            <a:off x="581192" y="1356851"/>
+            <a:off x="2360831" y="782638"/>
             <a:ext cx="1822165" cy="369332"/>
           </a:xfrm>
           <a:prstGeom prst="rect">

--- a/Karthik_Ganesh_Project.pptx
+++ b/Karthik_Ganesh_Project.pptx
@@ -5129,7 +5129,7 @@
         <p:spPr>
           <a:xfrm>
             <a:off x="2370663" y="782638"/>
-            <a:ext cx="5625835" cy="369332"/>
+            <a:ext cx="6558270" cy="369332"/>
           </a:xfrm>
           <a:prstGeom prst="rect">
             <a:avLst/>
@@ -5143,7 +5143,10 @@
           <a:lstStyle/>
           <a:p>
             <a:r>
-              <a:rPr lang="en-IN" dirty="0"/>
+              <a:rPr lang="en-IN" dirty="0">
+                <a:latin typeface="Arial" panose="020B0604020202020204" pitchFamily="34" charset="0"/>
+                <a:cs typeface="Arial" panose="020B0604020202020204" pitchFamily="34" charset="0"/>
+              </a:rPr>
               <a:t>DECODING PAGE – WRONG PASSWORD FOR THE IMAGE</a:t>
             </a:r>
           </a:p>
@@ -5319,7 +5322,7 @@
           <a:p>
             <a:r>
               <a:rPr lang="en-IN" dirty="0"/>
-              <a:t>it is a incorrect password</a:t>
+              <a:t>it is an incorrect password</a:t>
             </a:r>
           </a:p>
         </p:txBody>

--- a/Karthik_Ganesh_Project.pptx
+++ b/Karthik_Ganesh_Project.pptx
@@ -7221,7 +7221,7 @@
               <a:rPr lang="en-US" altLang="en-US" dirty="0">
                 <a:latin typeface="Arial" panose="020B0604020202020204" pitchFamily="34" charset="0"/>
               </a:rPr>
-              <a:t>For encoding and decoding the  password before and after its embedded into the image</a:t>
+              <a:t>For encoding and decoding the  password </a:t>
             </a:r>
             <a:endParaRPr lang="en-US" altLang="en-US" b="1" dirty="0">
               <a:latin typeface="Arial" panose="020B0604020202020204" pitchFamily="34" charset="0"/>
